--- a/files/slides/lecture_24.pptx
+++ b/files/slides/lecture_24.pptx
@@ -11237,7 +11237,7 @@
             <a:r>
               <a:rPr lang="zh-CN" altLang="en-US" sz="2000" b="1" dirty="0">
                 <a:solidFill>
-                  <a:srgbClr val="0000FF"/>
+                  <a:srgbClr val="00B0F0"/>
                 </a:solidFill>
                 <a:latin typeface="微软雅黑" panose="020B0503020204020204" charset="-122"/>
                 <a:ea typeface="微软雅黑" panose="020B0503020204020204" charset="-122"/>
@@ -11248,13 +11248,13 @@
             <a:r>
               <a:rPr lang="zh-CN" altLang="en-US" sz="2000" dirty="0">
                 <a:solidFill>
-                  <a:srgbClr val="0000FF"/>
+                  <a:schemeClr val="tx1"/>
                 </a:solidFill>
                 <a:latin typeface="微软雅黑" panose="020B0503020204020204" charset="-122"/>
                 <a:ea typeface="微软雅黑" panose="020B0503020204020204" charset="-122"/>
                 <a:cs typeface="微软雅黑" panose="020B0503020204020204" charset="-122"/>
               </a:rPr>
-              <a:t>：</a:t>
+              <a:t>：就是对个人信用、个人信用授信机构、个人信用服务中介机构等的规模、结构、运</a:t>
             </a:r>
             <a:r>
               <a:rPr lang="zh-CN" altLang="en-US" sz="2000" dirty="0">
@@ -11265,12 +11265,12 @@
                 <a:ea typeface="微软雅黑" panose="020B0503020204020204" charset="-122"/>
                 <a:cs typeface="微软雅黑" panose="020B0503020204020204" charset="-122"/>
               </a:rPr>
-              <a:t>就是对个人信用、个人信用授信机构、个人信用服务中介机构等的规模、结构、运作进行控制、监督和管理的总称。个人信用的监管，是整个信用监管体系的</a:t>
+              <a:t>作进行控制、监督和管理的总称。个人信用的监管，是整个信用监管体系的</a:t>
             </a:r>
             <a:r>
               <a:rPr lang="zh-CN" altLang="en-US" sz="2000" dirty="0">
                 <a:solidFill>
-                  <a:srgbClr val="FF0000"/>
+                  <a:srgbClr val="00B0F0"/>
                 </a:solidFill>
                 <a:latin typeface="微软雅黑" panose="020B0503020204020204" charset="-122"/>
                 <a:ea typeface="微软雅黑" panose="020B0503020204020204" charset="-122"/>
@@ -11891,7 +11891,7 @@
               <a:r>
                 <a:rPr lang="zh-CN" altLang="en-US" sz="2000" b="1" dirty="0">
                   <a:solidFill>
-                    <a:srgbClr val="FF3399"/>
+                    <a:schemeClr val="tx1"/>
                   </a:solidFill>
                   <a:latin typeface="微软雅黑" panose="020B0503020204020204" charset="-122"/>
                   <a:ea typeface="微软雅黑" panose="020B0503020204020204" charset="-122"/>
@@ -11900,7 +11900,7 @@
               </a:r>
               <a:endParaRPr lang="zh-CN" altLang="en-US" sz="2000" b="1" dirty="0">
                 <a:solidFill>
-                  <a:srgbClr val="FF3399"/>
+                  <a:schemeClr val="tx1"/>
                 </a:solidFill>
                 <a:latin typeface="微软雅黑" panose="020B0503020204020204" charset="-122"/>
                 <a:ea typeface="微软雅黑" panose="020B0503020204020204" charset="-122"/>
@@ -12026,7 +12026,7 @@
               <a:r>
                 <a:rPr lang="zh-CN" altLang="en-US" sz="2000" b="1" dirty="0">
                   <a:solidFill>
-                    <a:srgbClr val="FF3399"/>
+                    <a:schemeClr val="tx1"/>
                   </a:solidFill>
                   <a:latin typeface="微软雅黑" panose="020B0503020204020204" charset="-122"/>
                   <a:ea typeface="微软雅黑" panose="020B0503020204020204" charset="-122"/>
@@ -12035,7 +12035,7 @@
               </a:r>
               <a:endParaRPr lang="zh-CN" altLang="en-US" sz="2000" b="1" dirty="0">
                 <a:solidFill>
-                  <a:srgbClr val="FF3399"/>
+                  <a:schemeClr val="tx1"/>
                 </a:solidFill>
                 <a:latin typeface="微软雅黑" panose="020B0503020204020204" charset="-122"/>
                 <a:ea typeface="微软雅黑" panose="020B0503020204020204" charset="-122"/>
@@ -12161,7 +12161,7 @@
               <a:r>
                 <a:rPr lang="zh-CN" altLang="en-US" sz="2000" b="1" dirty="0">
                   <a:solidFill>
-                    <a:srgbClr val="FF3399"/>
+                    <a:schemeClr val="tx1"/>
                   </a:solidFill>
                   <a:latin typeface="微软雅黑" panose="020B0503020204020204" charset="-122"/>
                   <a:ea typeface="微软雅黑" panose="020B0503020204020204" charset="-122"/>
@@ -12170,7 +12170,7 @@
               </a:r>
               <a:endParaRPr lang="zh-CN" altLang="en-US" sz="2000" b="1" dirty="0">
                 <a:solidFill>
-                  <a:srgbClr val="FF3399"/>
+                  <a:schemeClr val="tx1"/>
                 </a:solidFill>
                 <a:latin typeface="微软雅黑" panose="020B0503020204020204" charset="-122"/>
                 <a:ea typeface="微软雅黑" panose="020B0503020204020204" charset="-122"/>
@@ -12296,7 +12296,7 @@
               <a:r>
                 <a:rPr lang="zh-CN" altLang="en-US" sz="2000" b="1" dirty="0">
                   <a:solidFill>
-                    <a:srgbClr val="FF3399"/>
+                    <a:schemeClr val="tx1"/>
                   </a:solidFill>
                   <a:latin typeface="微软雅黑" panose="020B0503020204020204" charset="-122"/>
                   <a:ea typeface="微软雅黑" panose="020B0503020204020204" charset="-122"/>
@@ -12305,7 +12305,7 @@
               </a:r>
               <a:endParaRPr lang="zh-CN" altLang="en-US" sz="2000" b="1" dirty="0">
                 <a:solidFill>
-                  <a:srgbClr val="FF3399"/>
+                  <a:schemeClr val="tx1"/>
                 </a:solidFill>
                 <a:latin typeface="微软雅黑" panose="020B0503020204020204" charset="-122"/>
                 <a:ea typeface="微软雅黑" panose="020B0503020204020204" charset="-122"/>
@@ -12838,35 +12838,13 @@
             <a:r>
               <a:rPr lang="zh-CN" altLang="en-US" sz="2000" dirty="0">
                 <a:solidFill>
-                  <a:srgbClr val="FF0000"/>
+                  <a:srgbClr val="00B0F0"/>
                 </a:solidFill>
                 <a:latin typeface="微软雅黑" panose="020B0503020204020204" charset="-122"/>
                 <a:ea typeface="微软雅黑" panose="020B0503020204020204" charset="-122"/>
                 <a:cs typeface="微软雅黑" panose="020B0503020204020204" charset="-122"/>
               </a:rPr>
-              <a:t>可以是一个</a:t>
-            </a:r>
-            <a:r>
-              <a:rPr lang="zh-CN" altLang="en-US" sz="2000" dirty="0">
-                <a:solidFill>
-                  <a:srgbClr val="000000"/>
-                </a:solidFill>
-                <a:latin typeface="微软雅黑" panose="020B0503020204020204" charset="-122"/>
-                <a:ea typeface="微软雅黑" panose="020B0503020204020204" charset="-122"/>
-                <a:cs typeface="微软雅黑" panose="020B0503020204020204" charset="-122"/>
-              </a:rPr>
-              <a:t>，</a:t>
-            </a:r>
-            <a:r>
-              <a:rPr lang="zh-CN" altLang="en-US" sz="2000" dirty="0">
-                <a:solidFill>
-                  <a:srgbClr val="FF0000"/>
-                </a:solidFill>
-                <a:latin typeface="微软雅黑" panose="020B0503020204020204" charset="-122"/>
-                <a:ea typeface="微软雅黑" panose="020B0503020204020204" charset="-122"/>
-                <a:cs typeface="微软雅黑" panose="020B0503020204020204" charset="-122"/>
-              </a:rPr>
-              <a:t>也可以是多个</a:t>
+              <a:t>可以是一个，也可以是多个</a:t>
             </a:r>
             <a:r>
               <a:rPr lang="zh-CN" altLang="en-US" sz="2000" dirty="0">
@@ -12903,7 +12881,7 @@
             <a:r>
               <a:rPr lang="zh-CN" altLang="en-US" sz="2000" dirty="0">
                 <a:solidFill>
-                  <a:srgbClr val="FF0000"/>
+                  <a:srgbClr val="00B0F0"/>
                 </a:solidFill>
                 <a:latin typeface="微软雅黑" panose="020B0503020204020204" charset="-122"/>
                 <a:ea typeface="微软雅黑" panose="020B0503020204020204" charset="-122"/>
@@ -12925,7 +12903,7 @@
             <a:r>
               <a:rPr lang="zh-CN" altLang="en-US" sz="2000" dirty="0">
                 <a:solidFill>
-                  <a:srgbClr val="FF0000"/>
+                  <a:srgbClr val="00B0F0"/>
                 </a:solidFill>
                 <a:latin typeface="微软雅黑" panose="020B0503020204020204" charset="-122"/>
                 <a:ea typeface="微软雅黑" panose="020B0503020204020204" charset="-122"/>
@@ -12942,7 +12920,7 @@
                 <a:ea typeface="微软雅黑" panose="020B0503020204020204" charset="-122"/>
                 <a:cs typeface="微软雅黑" panose="020B0503020204020204" charset="-122"/>
               </a:rPr>
-              <a:t>，如人民银行征信局、市场监督管理局、发改委、法院等多个部门。</a:t>
+              <a:t>，如人民银行征信中心、市场监督管理局、发改委、法院等多个部门。</a:t>
             </a:r>
             <a:endParaRPr lang="zh-CN" altLang="en-US" sz="2000" dirty="0">
               <a:solidFill>
@@ -13604,7 +13582,41 @@
                 <a:ea typeface="微软雅黑" panose="020B0503020204020204" charset="-122"/>
                 <a:cs typeface="+mn-cs"/>
               </a:rPr>
-              <a:t>根据国家宏观经济状况，就个人信用授信机构的信用投放总量，进行监测、度量、预警和控制，促进或抑制信用支付工具的投放；</a:t>
+              <a:t>根据国家宏观经济状况，就个人信用授信机构的</a:t>
+            </a:r>
+            <a:r>
+              <a:rPr kumimoji="1" lang="zh-CN" altLang="en-US" sz="2000" i="0" u="none" strike="noStrike" kern="1200" cap="none" spc="0" normalizeH="0" baseline="0" noProof="0" dirty="0">
+                <a:ln>
+                  <a:noFill/>
+                </a:ln>
+                <a:solidFill>
+                  <a:srgbClr val="00B0F0"/>
+                </a:solidFill>
+                <a:effectLst/>
+                <a:uLnTx/>
+                <a:uFillTx/>
+                <a:latin typeface="微软雅黑" panose="020B0503020204020204" charset="-122"/>
+                <a:ea typeface="微软雅黑" panose="020B0503020204020204" charset="-122"/>
+                <a:cs typeface="+mn-cs"/>
+              </a:rPr>
+              <a:t>信用投放总量</a:t>
+            </a:r>
+            <a:r>
+              <a:rPr kumimoji="1" lang="zh-CN" altLang="en-US" sz="2000" i="0" u="none" strike="noStrike" kern="1200" cap="none" spc="0" normalizeH="0" baseline="0" noProof="0" dirty="0">
+                <a:ln>
+                  <a:noFill/>
+                </a:ln>
+                <a:solidFill>
+                  <a:srgbClr val="000000"/>
+                </a:solidFill>
+                <a:effectLst/>
+                <a:uLnTx/>
+                <a:uFillTx/>
+                <a:latin typeface="微软雅黑" panose="020B0503020204020204" charset="-122"/>
+                <a:ea typeface="微软雅黑" panose="020B0503020204020204" charset="-122"/>
+                <a:cs typeface="+mn-cs"/>
+              </a:rPr>
+              <a:t>，进行监测、度量、预警和控制，促进或抑制信用支付工具的投放；</a:t>
             </a:r>
             <a:endParaRPr kumimoji="1" lang="zh-CN" altLang="en-US" sz="2000" i="0" u="none" strike="noStrike" kern="1200" cap="none" spc="0" normalizeH="0" baseline="0" noProof="0" dirty="0">
               <a:ln>
